--- a/ppt 16-9/0342.得救在今天.pptx
+++ b/ppt 16-9/0342.得救在今天.pptx
@@ -5,7 +5,7 @@
     <p:sldMasterId id="2147483648" r:id="rId1"/>
   </p:sldMasterIdLst>
   <p:sldIdLst>
-    <p:sldId id="3242" r:id="rId2"/>
+    <p:sldId id="3244" r:id="rId2"/>
   </p:sldIdLst>
   <p:sldSz cx="12192000" cy="6858000"/>
   <p:notesSz cx="6858000" cy="9144000"/>
@@ -129,7 +129,7 @@
           <p:cNvPr id="2" name="标题 1">
             <a:extLst>
               <a:ext uri="{FF2B5EF4-FFF2-40B4-BE49-F238E27FC236}">
-                <a16:creationId xmlns:a16="http://schemas.microsoft.com/office/drawing/2014/main" id="{2ED8C831-7211-5499-685A-A36E97936CAC}"/>
+                <a16:creationId xmlns:a16="http://schemas.microsoft.com/office/drawing/2014/main" id="{A3D5BB1E-4694-D98B-8690-ED9D433D29F7}"/>
               </a:ext>
             </a:extLst>
           </p:cNvPr>
@@ -166,7 +166,7 @@
           <p:cNvPr id="3" name="副标题 2">
             <a:extLst>
               <a:ext uri="{FF2B5EF4-FFF2-40B4-BE49-F238E27FC236}">
-                <a16:creationId xmlns:a16="http://schemas.microsoft.com/office/drawing/2014/main" id="{B3C69ACC-B250-07D3-5DB3-C005852D646C}"/>
+                <a16:creationId xmlns:a16="http://schemas.microsoft.com/office/drawing/2014/main" id="{76CC4DF8-0D8B-28FE-E496-7528BEDDC001}"/>
               </a:ext>
             </a:extLst>
           </p:cNvPr>
@@ -236,7 +236,7 @@
           <p:cNvPr id="4" name="日期占位符 3">
             <a:extLst>
               <a:ext uri="{FF2B5EF4-FFF2-40B4-BE49-F238E27FC236}">
-                <a16:creationId xmlns:a16="http://schemas.microsoft.com/office/drawing/2014/main" id="{B05FD96B-ADD5-B376-1FAE-43C09EC0540B}"/>
+                <a16:creationId xmlns:a16="http://schemas.microsoft.com/office/drawing/2014/main" id="{F24F0339-0C63-1FF0-720A-72AE3B98BDF7}"/>
               </a:ext>
             </a:extLst>
           </p:cNvPr>
@@ -252,7 +252,7 @@
           <a:bodyPr/>
           <a:lstStyle/>
           <a:p>
-            <a:fld id="{A2123802-12E6-4F59-B590-F64A3B1B8F55}" type="datetimeFigureOut">
+            <a:fld id="{6B19CCDB-4875-450C-A173-1F93CC730069}" type="datetimeFigureOut">
               <a:rPr lang="zh-CN" altLang="en-US" smtClean="0"/>
               <a:t>2024/3/10</a:t>
             </a:fld>
@@ -265,7 +265,7 @@
           <p:cNvPr id="5" name="页脚占位符 4">
             <a:extLst>
               <a:ext uri="{FF2B5EF4-FFF2-40B4-BE49-F238E27FC236}">
-                <a16:creationId xmlns:a16="http://schemas.microsoft.com/office/drawing/2014/main" id="{59ADC443-D3D7-70BF-A41D-91EBB4DAF89F}"/>
+                <a16:creationId xmlns:a16="http://schemas.microsoft.com/office/drawing/2014/main" id="{C4187110-E52A-FD2A-3BC2-D1E261A3881E}"/>
               </a:ext>
             </a:extLst>
           </p:cNvPr>
@@ -290,7 +290,7 @@
           <p:cNvPr id="6" name="灯片编号占位符 5">
             <a:extLst>
               <a:ext uri="{FF2B5EF4-FFF2-40B4-BE49-F238E27FC236}">
-                <a16:creationId xmlns:a16="http://schemas.microsoft.com/office/drawing/2014/main" id="{1D8876BA-B8E5-ECC6-C556-2234DADB0FA1}"/>
+                <a16:creationId xmlns:a16="http://schemas.microsoft.com/office/drawing/2014/main" id="{291B0EAE-40B1-0887-8523-7E41BB17BE16}"/>
               </a:ext>
             </a:extLst>
           </p:cNvPr>
@@ -306,7 +306,7 @@
           <a:bodyPr/>
           <a:lstStyle/>
           <a:p>
-            <a:fld id="{C2D11055-E562-4C83-BD4F-1C2EC78FF56C}" type="slidenum">
+            <a:fld id="{819A7501-536F-42CB-81CB-86F9BBA7AA30}" type="slidenum">
               <a:rPr lang="zh-CN" altLang="en-US" smtClean="0"/>
               <a:t>‹#›</a:t>
             </a:fld>
@@ -317,7 +317,7 @@
     </p:spTree>
     <p:extLst>
       <p:ext uri="{BB962C8B-B14F-4D97-AF65-F5344CB8AC3E}">
-        <p14:creationId xmlns:p14="http://schemas.microsoft.com/office/powerpoint/2010/main" val="769227214"/>
+        <p14:creationId xmlns:p14="http://schemas.microsoft.com/office/powerpoint/2010/main" val="2735741033"/>
       </p:ext>
     </p:extLst>
   </p:cSld>
@@ -349,7 +349,7 @@
           <p:cNvPr id="2" name="标题 1">
             <a:extLst>
               <a:ext uri="{FF2B5EF4-FFF2-40B4-BE49-F238E27FC236}">
-                <a16:creationId xmlns:a16="http://schemas.microsoft.com/office/drawing/2014/main" id="{C1781E09-8B27-EFDB-A23F-7C072B161885}"/>
+                <a16:creationId xmlns:a16="http://schemas.microsoft.com/office/drawing/2014/main" id="{5B8B408B-83B8-29F7-97BF-DF63F87F2374}"/>
               </a:ext>
             </a:extLst>
           </p:cNvPr>
@@ -377,7 +377,7 @@
           <p:cNvPr id="3" name="竖排文字占位符 2">
             <a:extLst>
               <a:ext uri="{FF2B5EF4-FFF2-40B4-BE49-F238E27FC236}">
-                <a16:creationId xmlns:a16="http://schemas.microsoft.com/office/drawing/2014/main" id="{149EA65A-E50F-1691-926A-74B4B2EE2B98}"/>
+                <a16:creationId xmlns:a16="http://schemas.microsoft.com/office/drawing/2014/main" id="{1D1152B3-0757-6194-C866-A84B36A88624}"/>
               </a:ext>
             </a:extLst>
           </p:cNvPr>
@@ -434,7 +434,7 @@
           <p:cNvPr id="4" name="日期占位符 3">
             <a:extLst>
               <a:ext uri="{FF2B5EF4-FFF2-40B4-BE49-F238E27FC236}">
-                <a16:creationId xmlns:a16="http://schemas.microsoft.com/office/drawing/2014/main" id="{F84C53E6-8746-92CD-13D8-5F086E954DA2}"/>
+                <a16:creationId xmlns:a16="http://schemas.microsoft.com/office/drawing/2014/main" id="{935F39D3-2954-160C-C20D-2FF9061F29CA}"/>
               </a:ext>
             </a:extLst>
           </p:cNvPr>
@@ -450,7 +450,7 @@
           <a:bodyPr/>
           <a:lstStyle/>
           <a:p>
-            <a:fld id="{A2123802-12E6-4F59-B590-F64A3B1B8F55}" type="datetimeFigureOut">
+            <a:fld id="{6B19CCDB-4875-450C-A173-1F93CC730069}" type="datetimeFigureOut">
               <a:rPr lang="zh-CN" altLang="en-US" smtClean="0"/>
               <a:t>2024/3/10</a:t>
             </a:fld>
@@ -463,7 +463,7 @@
           <p:cNvPr id="5" name="页脚占位符 4">
             <a:extLst>
               <a:ext uri="{FF2B5EF4-FFF2-40B4-BE49-F238E27FC236}">
-                <a16:creationId xmlns:a16="http://schemas.microsoft.com/office/drawing/2014/main" id="{4224771F-CCC4-FFAC-6799-5CCB98D2FC3A}"/>
+                <a16:creationId xmlns:a16="http://schemas.microsoft.com/office/drawing/2014/main" id="{A8E2CC0A-D6D0-5E2B-4FEE-B4C937841658}"/>
               </a:ext>
             </a:extLst>
           </p:cNvPr>
@@ -488,7 +488,7 @@
           <p:cNvPr id="6" name="灯片编号占位符 5">
             <a:extLst>
               <a:ext uri="{FF2B5EF4-FFF2-40B4-BE49-F238E27FC236}">
-                <a16:creationId xmlns:a16="http://schemas.microsoft.com/office/drawing/2014/main" id="{B8F19D71-4B53-0CA6-6CCE-F85BB0539F06}"/>
+                <a16:creationId xmlns:a16="http://schemas.microsoft.com/office/drawing/2014/main" id="{9F7EDD38-37EC-8D2A-1480-8F2FC39B7AE0}"/>
               </a:ext>
             </a:extLst>
           </p:cNvPr>
@@ -504,7 +504,7 @@
           <a:bodyPr/>
           <a:lstStyle/>
           <a:p>
-            <a:fld id="{C2D11055-E562-4C83-BD4F-1C2EC78FF56C}" type="slidenum">
+            <a:fld id="{819A7501-536F-42CB-81CB-86F9BBA7AA30}" type="slidenum">
               <a:rPr lang="zh-CN" altLang="en-US" smtClean="0"/>
               <a:t>‹#›</a:t>
             </a:fld>
@@ -515,7 +515,7 @@
     </p:spTree>
     <p:extLst>
       <p:ext uri="{BB962C8B-B14F-4D97-AF65-F5344CB8AC3E}">
-        <p14:creationId xmlns:p14="http://schemas.microsoft.com/office/powerpoint/2010/main" val="3862177438"/>
+        <p14:creationId xmlns:p14="http://schemas.microsoft.com/office/powerpoint/2010/main" val="2921463334"/>
       </p:ext>
     </p:extLst>
   </p:cSld>
@@ -547,7 +547,7 @@
           <p:cNvPr id="2" name="竖排标题 1">
             <a:extLst>
               <a:ext uri="{FF2B5EF4-FFF2-40B4-BE49-F238E27FC236}">
-                <a16:creationId xmlns:a16="http://schemas.microsoft.com/office/drawing/2014/main" id="{93772685-8DE3-1DD8-87A4-28E77D5EF334}"/>
+                <a16:creationId xmlns:a16="http://schemas.microsoft.com/office/drawing/2014/main" id="{1C26FE41-5C34-1682-259D-3CEB344E4F52}"/>
               </a:ext>
             </a:extLst>
           </p:cNvPr>
@@ -580,7 +580,7 @@
           <p:cNvPr id="3" name="竖排文字占位符 2">
             <a:extLst>
               <a:ext uri="{FF2B5EF4-FFF2-40B4-BE49-F238E27FC236}">
-                <a16:creationId xmlns:a16="http://schemas.microsoft.com/office/drawing/2014/main" id="{17C70953-9CE7-BAFF-0D49-8AD9D7725BC2}"/>
+                <a16:creationId xmlns:a16="http://schemas.microsoft.com/office/drawing/2014/main" id="{3B89FB6F-CF07-9A08-0933-0B0FB3A6D165}"/>
               </a:ext>
             </a:extLst>
           </p:cNvPr>
@@ -642,7 +642,7 @@
           <p:cNvPr id="4" name="日期占位符 3">
             <a:extLst>
               <a:ext uri="{FF2B5EF4-FFF2-40B4-BE49-F238E27FC236}">
-                <a16:creationId xmlns:a16="http://schemas.microsoft.com/office/drawing/2014/main" id="{FDCC54D5-8803-1984-4B18-907B61E4A94F}"/>
+                <a16:creationId xmlns:a16="http://schemas.microsoft.com/office/drawing/2014/main" id="{85751852-C218-7560-5797-EE105BC548E4}"/>
               </a:ext>
             </a:extLst>
           </p:cNvPr>
@@ -658,7 +658,7 @@
           <a:bodyPr/>
           <a:lstStyle/>
           <a:p>
-            <a:fld id="{A2123802-12E6-4F59-B590-F64A3B1B8F55}" type="datetimeFigureOut">
+            <a:fld id="{6B19CCDB-4875-450C-A173-1F93CC730069}" type="datetimeFigureOut">
               <a:rPr lang="zh-CN" altLang="en-US" smtClean="0"/>
               <a:t>2024/3/10</a:t>
             </a:fld>
@@ -671,7 +671,7 @@
           <p:cNvPr id="5" name="页脚占位符 4">
             <a:extLst>
               <a:ext uri="{FF2B5EF4-FFF2-40B4-BE49-F238E27FC236}">
-                <a16:creationId xmlns:a16="http://schemas.microsoft.com/office/drawing/2014/main" id="{2096D3F1-BFB6-E0A5-7DC3-609AC9B74DD6}"/>
+                <a16:creationId xmlns:a16="http://schemas.microsoft.com/office/drawing/2014/main" id="{E2BA77D7-4A6A-21B1-4572-46352B8E0FD4}"/>
               </a:ext>
             </a:extLst>
           </p:cNvPr>
@@ -696,7 +696,7 @@
           <p:cNvPr id="6" name="灯片编号占位符 5">
             <a:extLst>
               <a:ext uri="{FF2B5EF4-FFF2-40B4-BE49-F238E27FC236}">
-                <a16:creationId xmlns:a16="http://schemas.microsoft.com/office/drawing/2014/main" id="{2191517C-6848-88D2-C63B-83EDED12E9B9}"/>
+                <a16:creationId xmlns:a16="http://schemas.microsoft.com/office/drawing/2014/main" id="{5322A1B6-9F10-30C3-317B-A26CFF15956E}"/>
               </a:ext>
             </a:extLst>
           </p:cNvPr>
@@ -712,7 +712,7 @@
           <a:bodyPr/>
           <a:lstStyle/>
           <a:p>
-            <a:fld id="{C2D11055-E562-4C83-BD4F-1C2EC78FF56C}" type="slidenum">
+            <a:fld id="{819A7501-536F-42CB-81CB-86F9BBA7AA30}" type="slidenum">
               <a:rPr lang="zh-CN" altLang="en-US" smtClean="0"/>
               <a:t>‹#›</a:t>
             </a:fld>
@@ -723,7 +723,7 @@
     </p:spTree>
     <p:extLst>
       <p:ext uri="{BB962C8B-B14F-4D97-AF65-F5344CB8AC3E}">
-        <p14:creationId xmlns:p14="http://schemas.microsoft.com/office/powerpoint/2010/main" val="2302330305"/>
+        <p14:creationId xmlns:p14="http://schemas.microsoft.com/office/powerpoint/2010/main" val="1570127701"/>
       </p:ext>
     </p:extLst>
   </p:cSld>
@@ -755,7 +755,7 @@
           <p:cNvPr id="2" name="标题 1">
             <a:extLst>
               <a:ext uri="{FF2B5EF4-FFF2-40B4-BE49-F238E27FC236}">
-                <a16:creationId xmlns:a16="http://schemas.microsoft.com/office/drawing/2014/main" id="{7B0F307F-1314-37B1-9F49-B9880E7EA019}"/>
+                <a16:creationId xmlns:a16="http://schemas.microsoft.com/office/drawing/2014/main" id="{E4304ABE-A919-2842-B7C1-E2CF9FCBEEF0}"/>
               </a:ext>
             </a:extLst>
           </p:cNvPr>
@@ -783,7 +783,7 @@
           <p:cNvPr id="3" name="内容占位符 2">
             <a:extLst>
               <a:ext uri="{FF2B5EF4-FFF2-40B4-BE49-F238E27FC236}">
-                <a16:creationId xmlns:a16="http://schemas.microsoft.com/office/drawing/2014/main" id="{59DADFE2-6729-72F2-6744-AB8402A24E64}"/>
+                <a16:creationId xmlns:a16="http://schemas.microsoft.com/office/drawing/2014/main" id="{0D9A1056-D308-B274-23FB-9593F5FACBD4}"/>
               </a:ext>
             </a:extLst>
           </p:cNvPr>
@@ -840,7 +840,7 @@
           <p:cNvPr id="4" name="日期占位符 3">
             <a:extLst>
               <a:ext uri="{FF2B5EF4-FFF2-40B4-BE49-F238E27FC236}">
-                <a16:creationId xmlns:a16="http://schemas.microsoft.com/office/drawing/2014/main" id="{58D70355-EAAE-5F82-1849-2DCF558E80FF}"/>
+                <a16:creationId xmlns:a16="http://schemas.microsoft.com/office/drawing/2014/main" id="{767769A4-1FA0-D19A-41C9-022EAD350B59}"/>
               </a:ext>
             </a:extLst>
           </p:cNvPr>
@@ -856,7 +856,7 @@
           <a:bodyPr/>
           <a:lstStyle/>
           <a:p>
-            <a:fld id="{A2123802-12E6-4F59-B590-F64A3B1B8F55}" type="datetimeFigureOut">
+            <a:fld id="{6B19CCDB-4875-450C-A173-1F93CC730069}" type="datetimeFigureOut">
               <a:rPr lang="zh-CN" altLang="en-US" smtClean="0"/>
               <a:t>2024/3/10</a:t>
             </a:fld>
@@ -869,7 +869,7 @@
           <p:cNvPr id="5" name="页脚占位符 4">
             <a:extLst>
               <a:ext uri="{FF2B5EF4-FFF2-40B4-BE49-F238E27FC236}">
-                <a16:creationId xmlns:a16="http://schemas.microsoft.com/office/drawing/2014/main" id="{49551770-3108-7888-5BEF-360A1974DE37}"/>
+                <a16:creationId xmlns:a16="http://schemas.microsoft.com/office/drawing/2014/main" id="{2E2825A0-E2DA-6785-2DA9-F11F7CD36C58}"/>
               </a:ext>
             </a:extLst>
           </p:cNvPr>
@@ -894,7 +894,7 @@
           <p:cNvPr id="6" name="灯片编号占位符 5">
             <a:extLst>
               <a:ext uri="{FF2B5EF4-FFF2-40B4-BE49-F238E27FC236}">
-                <a16:creationId xmlns:a16="http://schemas.microsoft.com/office/drawing/2014/main" id="{18E7B22D-B193-0879-E886-EC0EA5E7B873}"/>
+                <a16:creationId xmlns:a16="http://schemas.microsoft.com/office/drawing/2014/main" id="{F7DC5AD2-33F3-4837-89B5-2B6DC1123753}"/>
               </a:ext>
             </a:extLst>
           </p:cNvPr>
@@ -910,7 +910,7 @@
           <a:bodyPr/>
           <a:lstStyle/>
           <a:p>
-            <a:fld id="{C2D11055-E562-4C83-BD4F-1C2EC78FF56C}" type="slidenum">
+            <a:fld id="{819A7501-536F-42CB-81CB-86F9BBA7AA30}" type="slidenum">
               <a:rPr lang="zh-CN" altLang="en-US" smtClean="0"/>
               <a:t>‹#›</a:t>
             </a:fld>
@@ -921,7 +921,7 @@
     </p:spTree>
     <p:extLst>
       <p:ext uri="{BB962C8B-B14F-4D97-AF65-F5344CB8AC3E}">
-        <p14:creationId xmlns:p14="http://schemas.microsoft.com/office/powerpoint/2010/main" val="2636709198"/>
+        <p14:creationId xmlns:p14="http://schemas.microsoft.com/office/powerpoint/2010/main" val="2619870489"/>
       </p:ext>
     </p:extLst>
   </p:cSld>
@@ -953,7 +953,7 @@
           <p:cNvPr id="2" name="标题 1">
             <a:extLst>
               <a:ext uri="{FF2B5EF4-FFF2-40B4-BE49-F238E27FC236}">
-                <a16:creationId xmlns:a16="http://schemas.microsoft.com/office/drawing/2014/main" id="{F53D7658-B722-6134-654F-C1DD1648DB19}"/>
+                <a16:creationId xmlns:a16="http://schemas.microsoft.com/office/drawing/2014/main" id="{57417D33-394E-C759-57EF-6463933D9678}"/>
               </a:ext>
             </a:extLst>
           </p:cNvPr>
@@ -990,7 +990,7 @@
           <p:cNvPr id="3" name="文本占位符 2">
             <a:extLst>
               <a:ext uri="{FF2B5EF4-FFF2-40B4-BE49-F238E27FC236}">
-                <a16:creationId xmlns:a16="http://schemas.microsoft.com/office/drawing/2014/main" id="{9B424DEE-08B6-286B-C941-59A92133BDB1}"/>
+                <a16:creationId xmlns:a16="http://schemas.microsoft.com/office/drawing/2014/main" id="{28B5F0F8-D590-8150-7E81-C398B8246EF3}"/>
               </a:ext>
             </a:extLst>
           </p:cNvPr>
@@ -1115,7 +1115,7 @@
           <p:cNvPr id="4" name="日期占位符 3">
             <a:extLst>
               <a:ext uri="{FF2B5EF4-FFF2-40B4-BE49-F238E27FC236}">
-                <a16:creationId xmlns:a16="http://schemas.microsoft.com/office/drawing/2014/main" id="{52451F88-E722-4AC9-8C34-36084EEE054E}"/>
+                <a16:creationId xmlns:a16="http://schemas.microsoft.com/office/drawing/2014/main" id="{51E34829-572D-01D9-F5D4-07FBA4AA4CD4}"/>
               </a:ext>
             </a:extLst>
           </p:cNvPr>
@@ -1131,7 +1131,7 @@
           <a:bodyPr/>
           <a:lstStyle/>
           <a:p>
-            <a:fld id="{A2123802-12E6-4F59-B590-F64A3B1B8F55}" type="datetimeFigureOut">
+            <a:fld id="{6B19CCDB-4875-450C-A173-1F93CC730069}" type="datetimeFigureOut">
               <a:rPr lang="zh-CN" altLang="en-US" smtClean="0"/>
               <a:t>2024/3/10</a:t>
             </a:fld>
@@ -1144,7 +1144,7 @@
           <p:cNvPr id="5" name="页脚占位符 4">
             <a:extLst>
               <a:ext uri="{FF2B5EF4-FFF2-40B4-BE49-F238E27FC236}">
-                <a16:creationId xmlns:a16="http://schemas.microsoft.com/office/drawing/2014/main" id="{E0BEEA4F-5F3B-A9A1-F98E-15B4712EA367}"/>
+                <a16:creationId xmlns:a16="http://schemas.microsoft.com/office/drawing/2014/main" id="{CAD89420-CB1D-EB08-9FB6-CC408FA3FE69}"/>
               </a:ext>
             </a:extLst>
           </p:cNvPr>
@@ -1169,7 +1169,7 @@
           <p:cNvPr id="6" name="灯片编号占位符 5">
             <a:extLst>
               <a:ext uri="{FF2B5EF4-FFF2-40B4-BE49-F238E27FC236}">
-                <a16:creationId xmlns:a16="http://schemas.microsoft.com/office/drawing/2014/main" id="{1971CB6D-1933-8C14-9D18-F5988395D691}"/>
+                <a16:creationId xmlns:a16="http://schemas.microsoft.com/office/drawing/2014/main" id="{05CA4542-DC68-E5E7-C48D-900798CFE2FF}"/>
               </a:ext>
             </a:extLst>
           </p:cNvPr>
@@ -1185,7 +1185,7 @@
           <a:bodyPr/>
           <a:lstStyle/>
           <a:p>
-            <a:fld id="{C2D11055-E562-4C83-BD4F-1C2EC78FF56C}" type="slidenum">
+            <a:fld id="{819A7501-536F-42CB-81CB-86F9BBA7AA30}" type="slidenum">
               <a:rPr lang="zh-CN" altLang="en-US" smtClean="0"/>
               <a:t>‹#›</a:t>
             </a:fld>
@@ -1196,7 +1196,7 @@
     </p:spTree>
     <p:extLst>
       <p:ext uri="{BB962C8B-B14F-4D97-AF65-F5344CB8AC3E}">
-        <p14:creationId xmlns:p14="http://schemas.microsoft.com/office/powerpoint/2010/main" val="3955995147"/>
+        <p14:creationId xmlns:p14="http://schemas.microsoft.com/office/powerpoint/2010/main" val="2236189714"/>
       </p:ext>
     </p:extLst>
   </p:cSld>
@@ -1228,7 +1228,7 @@
           <p:cNvPr id="2" name="标题 1">
             <a:extLst>
               <a:ext uri="{FF2B5EF4-FFF2-40B4-BE49-F238E27FC236}">
-                <a16:creationId xmlns:a16="http://schemas.microsoft.com/office/drawing/2014/main" id="{D4C1BDCD-17A5-B44F-3300-47371F40FF27}"/>
+                <a16:creationId xmlns:a16="http://schemas.microsoft.com/office/drawing/2014/main" id="{020EA1D1-2078-A876-BAAD-12A6E16A2674}"/>
               </a:ext>
             </a:extLst>
           </p:cNvPr>
@@ -1256,7 +1256,7 @@
           <p:cNvPr id="3" name="内容占位符 2">
             <a:extLst>
               <a:ext uri="{FF2B5EF4-FFF2-40B4-BE49-F238E27FC236}">
-                <a16:creationId xmlns:a16="http://schemas.microsoft.com/office/drawing/2014/main" id="{59623807-B53A-EBEB-59D3-59F5B3564C4A}"/>
+                <a16:creationId xmlns:a16="http://schemas.microsoft.com/office/drawing/2014/main" id="{EDEA1BBC-F0EF-43E9-D35F-3F80DD0E0147}"/>
               </a:ext>
             </a:extLst>
           </p:cNvPr>
@@ -1318,7 +1318,7 @@
           <p:cNvPr id="4" name="内容占位符 3">
             <a:extLst>
               <a:ext uri="{FF2B5EF4-FFF2-40B4-BE49-F238E27FC236}">
-                <a16:creationId xmlns:a16="http://schemas.microsoft.com/office/drawing/2014/main" id="{B3A2C081-B834-FBCE-C036-C3E16D983E53}"/>
+                <a16:creationId xmlns:a16="http://schemas.microsoft.com/office/drawing/2014/main" id="{87879DC8-D9AE-A7EE-21B4-E2E199CF7F4F}"/>
               </a:ext>
             </a:extLst>
           </p:cNvPr>
@@ -1380,7 +1380,7 @@
           <p:cNvPr id="5" name="日期占位符 4">
             <a:extLst>
               <a:ext uri="{FF2B5EF4-FFF2-40B4-BE49-F238E27FC236}">
-                <a16:creationId xmlns:a16="http://schemas.microsoft.com/office/drawing/2014/main" id="{2AD01D4D-D9AE-B1FC-BB8A-A924D4285C30}"/>
+                <a16:creationId xmlns:a16="http://schemas.microsoft.com/office/drawing/2014/main" id="{618D4802-A418-B399-D14D-6D47566527AD}"/>
               </a:ext>
             </a:extLst>
           </p:cNvPr>
@@ -1396,7 +1396,7 @@
           <a:bodyPr/>
           <a:lstStyle/>
           <a:p>
-            <a:fld id="{A2123802-12E6-4F59-B590-F64A3B1B8F55}" type="datetimeFigureOut">
+            <a:fld id="{6B19CCDB-4875-450C-A173-1F93CC730069}" type="datetimeFigureOut">
               <a:rPr lang="zh-CN" altLang="en-US" smtClean="0"/>
               <a:t>2024/3/10</a:t>
             </a:fld>
@@ -1409,7 +1409,7 @@
           <p:cNvPr id="6" name="页脚占位符 5">
             <a:extLst>
               <a:ext uri="{FF2B5EF4-FFF2-40B4-BE49-F238E27FC236}">
-                <a16:creationId xmlns:a16="http://schemas.microsoft.com/office/drawing/2014/main" id="{02B63C35-FF9B-30F2-2E70-D848019FD761}"/>
+                <a16:creationId xmlns:a16="http://schemas.microsoft.com/office/drawing/2014/main" id="{3902D96A-675F-67F9-D5AA-AC18F406360C}"/>
               </a:ext>
             </a:extLst>
           </p:cNvPr>
@@ -1434,7 +1434,7 @@
           <p:cNvPr id="7" name="灯片编号占位符 6">
             <a:extLst>
               <a:ext uri="{FF2B5EF4-FFF2-40B4-BE49-F238E27FC236}">
-                <a16:creationId xmlns:a16="http://schemas.microsoft.com/office/drawing/2014/main" id="{35ECDE28-9E0F-ED38-9C7E-EA25826878D9}"/>
+                <a16:creationId xmlns:a16="http://schemas.microsoft.com/office/drawing/2014/main" id="{8300377E-8BFA-ADEA-FE8F-63401E99B031}"/>
               </a:ext>
             </a:extLst>
           </p:cNvPr>
@@ -1450,7 +1450,7 @@
           <a:bodyPr/>
           <a:lstStyle/>
           <a:p>
-            <a:fld id="{C2D11055-E562-4C83-BD4F-1C2EC78FF56C}" type="slidenum">
+            <a:fld id="{819A7501-536F-42CB-81CB-86F9BBA7AA30}" type="slidenum">
               <a:rPr lang="zh-CN" altLang="en-US" smtClean="0"/>
               <a:t>‹#›</a:t>
             </a:fld>
@@ -1461,7 +1461,7 @@
     </p:spTree>
     <p:extLst>
       <p:ext uri="{BB962C8B-B14F-4D97-AF65-F5344CB8AC3E}">
-        <p14:creationId xmlns:p14="http://schemas.microsoft.com/office/powerpoint/2010/main" val="2572293899"/>
+        <p14:creationId xmlns:p14="http://schemas.microsoft.com/office/powerpoint/2010/main" val="2341014661"/>
       </p:ext>
     </p:extLst>
   </p:cSld>
@@ -1493,7 +1493,7 @@
           <p:cNvPr id="2" name="标题 1">
             <a:extLst>
               <a:ext uri="{FF2B5EF4-FFF2-40B4-BE49-F238E27FC236}">
-                <a16:creationId xmlns:a16="http://schemas.microsoft.com/office/drawing/2014/main" id="{F66A74C5-3EEA-9236-9DD9-FF53E27D3096}"/>
+                <a16:creationId xmlns:a16="http://schemas.microsoft.com/office/drawing/2014/main" id="{887E1BF1-F333-0E66-083C-4F6DC07A757A}"/>
               </a:ext>
             </a:extLst>
           </p:cNvPr>
@@ -1526,7 +1526,7 @@
           <p:cNvPr id="3" name="文本占位符 2">
             <a:extLst>
               <a:ext uri="{FF2B5EF4-FFF2-40B4-BE49-F238E27FC236}">
-                <a16:creationId xmlns:a16="http://schemas.microsoft.com/office/drawing/2014/main" id="{05C45761-9738-9571-4399-CD8BF85895AA}"/>
+                <a16:creationId xmlns:a16="http://schemas.microsoft.com/office/drawing/2014/main" id="{5DAE79A1-9EC3-69C4-0619-0612BCED384A}"/>
               </a:ext>
             </a:extLst>
           </p:cNvPr>
@@ -1597,7 +1597,7 @@
           <p:cNvPr id="4" name="内容占位符 3">
             <a:extLst>
               <a:ext uri="{FF2B5EF4-FFF2-40B4-BE49-F238E27FC236}">
-                <a16:creationId xmlns:a16="http://schemas.microsoft.com/office/drawing/2014/main" id="{F5EDA9B7-CC7E-6F9B-7576-D2C9FECA53EA}"/>
+                <a16:creationId xmlns:a16="http://schemas.microsoft.com/office/drawing/2014/main" id="{4EB31308-9385-5049-4FBB-9A426202CB01}"/>
               </a:ext>
             </a:extLst>
           </p:cNvPr>
@@ -1659,7 +1659,7 @@
           <p:cNvPr id="5" name="文本占位符 4">
             <a:extLst>
               <a:ext uri="{FF2B5EF4-FFF2-40B4-BE49-F238E27FC236}">
-                <a16:creationId xmlns:a16="http://schemas.microsoft.com/office/drawing/2014/main" id="{B9AE36E7-A6D4-45AA-3AB9-757E9E809704}"/>
+                <a16:creationId xmlns:a16="http://schemas.microsoft.com/office/drawing/2014/main" id="{9A576A13-A127-DC41-428A-75E5452BFF48}"/>
               </a:ext>
             </a:extLst>
           </p:cNvPr>
@@ -1730,7 +1730,7 @@
           <p:cNvPr id="6" name="内容占位符 5">
             <a:extLst>
               <a:ext uri="{FF2B5EF4-FFF2-40B4-BE49-F238E27FC236}">
-                <a16:creationId xmlns:a16="http://schemas.microsoft.com/office/drawing/2014/main" id="{BC6752A9-E673-F9ED-2BC3-1C52FAC18F2F}"/>
+                <a16:creationId xmlns:a16="http://schemas.microsoft.com/office/drawing/2014/main" id="{E8EA0959-9676-425A-E882-7696693C1B62}"/>
               </a:ext>
             </a:extLst>
           </p:cNvPr>
@@ -1792,7 +1792,7 @@
           <p:cNvPr id="7" name="日期占位符 6">
             <a:extLst>
               <a:ext uri="{FF2B5EF4-FFF2-40B4-BE49-F238E27FC236}">
-                <a16:creationId xmlns:a16="http://schemas.microsoft.com/office/drawing/2014/main" id="{2F71A997-74D7-B134-33DB-F76523F0FC5A}"/>
+                <a16:creationId xmlns:a16="http://schemas.microsoft.com/office/drawing/2014/main" id="{01893A87-3BAA-B5F6-1005-4E10132946DE}"/>
               </a:ext>
             </a:extLst>
           </p:cNvPr>
@@ -1808,7 +1808,7 @@
           <a:bodyPr/>
           <a:lstStyle/>
           <a:p>
-            <a:fld id="{A2123802-12E6-4F59-B590-F64A3B1B8F55}" type="datetimeFigureOut">
+            <a:fld id="{6B19CCDB-4875-450C-A173-1F93CC730069}" type="datetimeFigureOut">
               <a:rPr lang="zh-CN" altLang="en-US" smtClean="0"/>
               <a:t>2024/3/10</a:t>
             </a:fld>
@@ -1821,7 +1821,7 @@
           <p:cNvPr id="8" name="页脚占位符 7">
             <a:extLst>
               <a:ext uri="{FF2B5EF4-FFF2-40B4-BE49-F238E27FC236}">
-                <a16:creationId xmlns:a16="http://schemas.microsoft.com/office/drawing/2014/main" id="{3DF2513D-50F5-2408-D836-31D8C215048D}"/>
+                <a16:creationId xmlns:a16="http://schemas.microsoft.com/office/drawing/2014/main" id="{F6A2014D-5680-00AC-B8DA-7C302B56DBAD}"/>
               </a:ext>
             </a:extLst>
           </p:cNvPr>
@@ -1846,7 +1846,7 @@
           <p:cNvPr id="9" name="灯片编号占位符 8">
             <a:extLst>
               <a:ext uri="{FF2B5EF4-FFF2-40B4-BE49-F238E27FC236}">
-                <a16:creationId xmlns:a16="http://schemas.microsoft.com/office/drawing/2014/main" id="{F37CF495-AF28-9E3D-9835-A058E0C69AEF}"/>
+                <a16:creationId xmlns:a16="http://schemas.microsoft.com/office/drawing/2014/main" id="{DB0C8895-A8CD-A415-11C8-355EBC9A9513}"/>
               </a:ext>
             </a:extLst>
           </p:cNvPr>
@@ -1862,7 +1862,7 @@
           <a:bodyPr/>
           <a:lstStyle/>
           <a:p>
-            <a:fld id="{C2D11055-E562-4C83-BD4F-1C2EC78FF56C}" type="slidenum">
+            <a:fld id="{819A7501-536F-42CB-81CB-86F9BBA7AA30}" type="slidenum">
               <a:rPr lang="zh-CN" altLang="en-US" smtClean="0"/>
               <a:t>‹#›</a:t>
             </a:fld>
@@ -1873,7 +1873,7 @@
     </p:spTree>
     <p:extLst>
       <p:ext uri="{BB962C8B-B14F-4D97-AF65-F5344CB8AC3E}">
-        <p14:creationId xmlns:p14="http://schemas.microsoft.com/office/powerpoint/2010/main" val="3448571739"/>
+        <p14:creationId xmlns:p14="http://schemas.microsoft.com/office/powerpoint/2010/main" val="1540196869"/>
       </p:ext>
     </p:extLst>
   </p:cSld>
@@ -1905,7 +1905,7 @@
           <p:cNvPr id="2" name="标题 1">
             <a:extLst>
               <a:ext uri="{FF2B5EF4-FFF2-40B4-BE49-F238E27FC236}">
-                <a16:creationId xmlns:a16="http://schemas.microsoft.com/office/drawing/2014/main" id="{C31733C3-09B1-BB11-CE07-62394A559130}"/>
+                <a16:creationId xmlns:a16="http://schemas.microsoft.com/office/drawing/2014/main" id="{709D31F5-A794-AAD3-6934-128F3EB79C2E}"/>
               </a:ext>
             </a:extLst>
           </p:cNvPr>
@@ -1933,7 +1933,7 @@
           <p:cNvPr id="3" name="日期占位符 2">
             <a:extLst>
               <a:ext uri="{FF2B5EF4-FFF2-40B4-BE49-F238E27FC236}">
-                <a16:creationId xmlns:a16="http://schemas.microsoft.com/office/drawing/2014/main" id="{CEF7696B-DA4C-DE67-51C5-A6C68EBB09ED}"/>
+                <a16:creationId xmlns:a16="http://schemas.microsoft.com/office/drawing/2014/main" id="{36B51C16-9220-C531-0E68-0C57603F6C94}"/>
               </a:ext>
             </a:extLst>
           </p:cNvPr>
@@ -1949,7 +1949,7 @@
           <a:bodyPr/>
           <a:lstStyle/>
           <a:p>
-            <a:fld id="{A2123802-12E6-4F59-B590-F64A3B1B8F55}" type="datetimeFigureOut">
+            <a:fld id="{6B19CCDB-4875-450C-A173-1F93CC730069}" type="datetimeFigureOut">
               <a:rPr lang="zh-CN" altLang="en-US" smtClean="0"/>
               <a:t>2024/3/10</a:t>
             </a:fld>
@@ -1962,7 +1962,7 @@
           <p:cNvPr id="4" name="页脚占位符 3">
             <a:extLst>
               <a:ext uri="{FF2B5EF4-FFF2-40B4-BE49-F238E27FC236}">
-                <a16:creationId xmlns:a16="http://schemas.microsoft.com/office/drawing/2014/main" id="{1C8D5D1D-3F27-D3EC-CB56-2E7E21565C95}"/>
+                <a16:creationId xmlns:a16="http://schemas.microsoft.com/office/drawing/2014/main" id="{C3FB0BB3-495C-BF7B-5713-D4BBB7B079C4}"/>
               </a:ext>
             </a:extLst>
           </p:cNvPr>
@@ -1987,7 +1987,7 @@
           <p:cNvPr id="5" name="灯片编号占位符 4">
             <a:extLst>
               <a:ext uri="{FF2B5EF4-FFF2-40B4-BE49-F238E27FC236}">
-                <a16:creationId xmlns:a16="http://schemas.microsoft.com/office/drawing/2014/main" id="{7645D1DA-F173-5694-C0FC-E982FC924D87}"/>
+                <a16:creationId xmlns:a16="http://schemas.microsoft.com/office/drawing/2014/main" id="{1CAA5ABC-93C1-9E5A-B800-9585467C1649}"/>
               </a:ext>
             </a:extLst>
           </p:cNvPr>
@@ -2003,7 +2003,7 @@
           <a:bodyPr/>
           <a:lstStyle/>
           <a:p>
-            <a:fld id="{C2D11055-E562-4C83-BD4F-1C2EC78FF56C}" type="slidenum">
+            <a:fld id="{819A7501-536F-42CB-81CB-86F9BBA7AA30}" type="slidenum">
               <a:rPr lang="zh-CN" altLang="en-US" smtClean="0"/>
               <a:t>‹#›</a:t>
             </a:fld>
@@ -2014,7 +2014,7 @@
     </p:spTree>
     <p:extLst>
       <p:ext uri="{BB962C8B-B14F-4D97-AF65-F5344CB8AC3E}">
-        <p14:creationId xmlns:p14="http://schemas.microsoft.com/office/powerpoint/2010/main" val="4013597104"/>
+        <p14:creationId xmlns:p14="http://schemas.microsoft.com/office/powerpoint/2010/main" val="4131362662"/>
       </p:ext>
     </p:extLst>
   </p:cSld>
@@ -2046,7 +2046,7 @@
           <p:cNvPr id="2" name="日期占位符 1">
             <a:extLst>
               <a:ext uri="{FF2B5EF4-FFF2-40B4-BE49-F238E27FC236}">
-                <a16:creationId xmlns:a16="http://schemas.microsoft.com/office/drawing/2014/main" id="{9A0C30D0-32DF-9572-828C-0FACA3FF21C2}"/>
+                <a16:creationId xmlns:a16="http://schemas.microsoft.com/office/drawing/2014/main" id="{ECB9468B-5536-9AD5-6B3C-D501C6C1F6F6}"/>
               </a:ext>
             </a:extLst>
           </p:cNvPr>
@@ -2062,7 +2062,7 @@
           <a:bodyPr/>
           <a:lstStyle/>
           <a:p>
-            <a:fld id="{A2123802-12E6-4F59-B590-F64A3B1B8F55}" type="datetimeFigureOut">
+            <a:fld id="{6B19CCDB-4875-450C-A173-1F93CC730069}" type="datetimeFigureOut">
               <a:rPr lang="zh-CN" altLang="en-US" smtClean="0"/>
               <a:t>2024/3/10</a:t>
             </a:fld>
@@ -2075,7 +2075,7 @@
           <p:cNvPr id="3" name="页脚占位符 2">
             <a:extLst>
               <a:ext uri="{FF2B5EF4-FFF2-40B4-BE49-F238E27FC236}">
-                <a16:creationId xmlns:a16="http://schemas.microsoft.com/office/drawing/2014/main" id="{DFA08D04-58AF-998A-FF08-93AF8F8CA87B}"/>
+                <a16:creationId xmlns:a16="http://schemas.microsoft.com/office/drawing/2014/main" id="{33B85D95-B2C8-77AC-2D29-AFAAD12F6102}"/>
               </a:ext>
             </a:extLst>
           </p:cNvPr>
@@ -2100,7 +2100,7 @@
           <p:cNvPr id="4" name="灯片编号占位符 3">
             <a:extLst>
               <a:ext uri="{FF2B5EF4-FFF2-40B4-BE49-F238E27FC236}">
-                <a16:creationId xmlns:a16="http://schemas.microsoft.com/office/drawing/2014/main" id="{5F6A53E6-F883-CE47-C1B2-3FB7A0E59F9B}"/>
+                <a16:creationId xmlns:a16="http://schemas.microsoft.com/office/drawing/2014/main" id="{5034B3D7-0D07-8EB8-2E35-334673AAA546}"/>
               </a:ext>
             </a:extLst>
           </p:cNvPr>
@@ -2116,7 +2116,7 @@
           <a:bodyPr/>
           <a:lstStyle/>
           <a:p>
-            <a:fld id="{C2D11055-E562-4C83-BD4F-1C2EC78FF56C}" type="slidenum">
+            <a:fld id="{819A7501-536F-42CB-81CB-86F9BBA7AA30}" type="slidenum">
               <a:rPr lang="zh-CN" altLang="en-US" smtClean="0"/>
               <a:t>‹#›</a:t>
             </a:fld>
@@ -2127,7 +2127,7 @@
     </p:spTree>
     <p:extLst>
       <p:ext uri="{BB962C8B-B14F-4D97-AF65-F5344CB8AC3E}">
-        <p14:creationId xmlns:p14="http://schemas.microsoft.com/office/powerpoint/2010/main" val="3724049337"/>
+        <p14:creationId xmlns:p14="http://schemas.microsoft.com/office/powerpoint/2010/main" val="2862395057"/>
       </p:ext>
     </p:extLst>
   </p:cSld>
@@ -2159,7 +2159,7 @@
           <p:cNvPr id="2" name="标题 1">
             <a:extLst>
               <a:ext uri="{FF2B5EF4-FFF2-40B4-BE49-F238E27FC236}">
-                <a16:creationId xmlns:a16="http://schemas.microsoft.com/office/drawing/2014/main" id="{76D4C204-245A-7DC5-0FC0-2A6EAFD72875}"/>
+                <a16:creationId xmlns:a16="http://schemas.microsoft.com/office/drawing/2014/main" id="{B1D782A0-F4AF-6920-8F1D-DC85D39F43E5}"/>
               </a:ext>
             </a:extLst>
           </p:cNvPr>
@@ -2196,7 +2196,7 @@
           <p:cNvPr id="3" name="内容占位符 2">
             <a:extLst>
               <a:ext uri="{FF2B5EF4-FFF2-40B4-BE49-F238E27FC236}">
-                <a16:creationId xmlns:a16="http://schemas.microsoft.com/office/drawing/2014/main" id="{255A4A08-C8F0-9CAA-1943-69460DCFBCA6}"/>
+                <a16:creationId xmlns:a16="http://schemas.microsoft.com/office/drawing/2014/main" id="{9D5EAEB8-102B-356C-2F91-E98AEE821F0D}"/>
               </a:ext>
             </a:extLst>
           </p:cNvPr>
@@ -2286,7 +2286,7 @@
           <p:cNvPr id="4" name="文本占位符 3">
             <a:extLst>
               <a:ext uri="{FF2B5EF4-FFF2-40B4-BE49-F238E27FC236}">
-                <a16:creationId xmlns:a16="http://schemas.microsoft.com/office/drawing/2014/main" id="{925904A8-EAF3-B7E5-8C4B-B57F0F0E6F7F}"/>
+                <a16:creationId xmlns:a16="http://schemas.microsoft.com/office/drawing/2014/main" id="{838D55F1-3247-7125-BE64-2E11F532E374}"/>
               </a:ext>
             </a:extLst>
           </p:cNvPr>
@@ -2357,7 +2357,7 @@
           <p:cNvPr id="5" name="日期占位符 4">
             <a:extLst>
               <a:ext uri="{FF2B5EF4-FFF2-40B4-BE49-F238E27FC236}">
-                <a16:creationId xmlns:a16="http://schemas.microsoft.com/office/drawing/2014/main" id="{18413CCB-6EFE-5E75-4922-ACD4FB15CE2F}"/>
+                <a16:creationId xmlns:a16="http://schemas.microsoft.com/office/drawing/2014/main" id="{93043ABB-2137-AE6F-3B1E-5284E38513BC}"/>
               </a:ext>
             </a:extLst>
           </p:cNvPr>
@@ -2373,7 +2373,7 @@
           <a:bodyPr/>
           <a:lstStyle/>
           <a:p>
-            <a:fld id="{A2123802-12E6-4F59-B590-F64A3B1B8F55}" type="datetimeFigureOut">
+            <a:fld id="{6B19CCDB-4875-450C-A173-1F93CC730069}" type="datetimeFigureOut">
               <a:rPr lang="zh-CN" altLang="en-US" smtClean="0"/>
               <a:t>2024/3/10</a:t>
             </a:fld>
@@ -2386,7 +2386,7 @@
           <p:cNvPr id="6" name="页脚占位符 5">
             <a:extLst>
               <a:ext uri="{FF2B5EF4-FFF2-40B4-BE49-F238E27FC236}">
-                <a16:creationId xmlns:a16="http://schemas.microsoft.com/office/drawing/2014/main" id="{9DD6A74D-1942-107F-CDB9-C97062199180}"/>
+                <a16:creationId xmlns:a16="http://schemas.microsoft.com/office/drawing/2014/main" id="{F2DD8FD1-51D8-D9B8-62C0-5B4790FEDD97}"/>
               </a:ext>
             </a:extLst>
           </p:cNvPr>
@@ -2411,7 +2411,7 @@
           <p:cNvPr id="7" name="灯片编号占位符 6">
             <a:extLst>
               <a:ext uri="{FF2B5EF4-FFF2-40B4-BE49-F238E27FC236}">
-                <a16:creationId xmlns:a16="http://schemas.microsoft.com/office/drawing/2014/main" id="{ED8F46B5-1E0D-5D46-DCDC-64BC15E07891}"/>
+                <a16:creationId xmlns:a16="http://schemas.microsoft.com/office/drawing/2014/main" id="{C25D254A-5524-56D8-0EEE-6D369B5E2EA0}"/>
               </a:ext>
             </a:extLst>
           </p:cNvPr>
@@ -2427,7 +2427,7 @@
           <a:bodyPr/>
           <a:lstStyle/>
           <a:p>
-            <a:fld id="{C2D11055-E562-4C83-BD4F-1C2EC78FF56C}" type="slidenum">
+            <a:fld id="{819A7501-536F-42CB-81CB-86F9BBA7AA30}" type="slidenum">
               <a:rPr lang="zh-CN" altLang="en-US" smtClean="0"/>
               <a:t>‹#›</a:t>
             </a:fld>
@@ -2438,7 +2438,7 @@
     </p:spTree>
     <p:extLst>
       <p:ext uri="{BB962C8B-B14F-4D97-AF65-F5344CB8AC3E}">
-        <p14:creationId xmlns:p14="http://schemas.microsoft.com/office/powerpoint/2010/main" val="2295186768"/>
+        <p14:creationId xmlns:p14="http://schemas.microsoft.com/office/powerpoint/2010/main" val="1142357573"/>
       </p:ext>
     </p:extLst>
   </p:cSld>
@@ -2470,7 +2470,7 @@
           <p:cNvPr id="2" name="标题 1">
             <a:extLst>
               <a:ext uri="{FF2B5EF4-FFF2-40B4-BE49-F238E27FC236}">
-                <a16:creationId xmlns:a16="http://schemas.microsoft.com/office/drawing/2014/main" id="{18F25041-3152-00C7-B81F-8E2D498C0817}"/>
+                <a16:creationId xmlns:a16="http://schemas.microsoft.com/office/drawing/2014/main" id="{920291AB-F169-AB37-C474-5BA1477F0D1E}"/>
               </a:ext>
             </a:extLst>
           </p:cNvPr>
@@ -2507,7 +2507,7 @@
           <p:cNvPr id="3" name="图片占位符 2">
             <a:extLst>
               <a:ext uri="{FF2B5EF4-FFF2-40B4-BE49-F238E27FC236}">
-                <a16:creationId xmlns:a16="http://schemas.microsoft.com/office/drawing/2014/main" id="{A915BEB0-1082-95BC-E97E-694E13D226CF}"/>
+                <a16:creationId xmlns:a16="http://schemas.microsoft.com/office/drawing/2014/main" id="{AB65A23D-C712-C21F-9030-D06D201C1409}"/>
               </a:ext>
             </a:extLst>
           </p:cNvPr>
@@ -2574,7 +2574,7 @@
           <p:cNvPr id="4" name="文本占位符 3">
             <a:extLst>
               <a:ext uri="{FF2B5EF4-FFF2-40B4-BE49-F238E27FC236}">
-                <a16:creationId xmlns:a16="http://schemas.microsoft.com/office/drawing/2014/main" id="{E01BB9EE-6A1A-61B3-5EFD-0B1C7E694C56}"/>
+                <a16:creationId xmlns:a16="http://schemas.microsoft.com/office/drawing/2014/main" id="{EF904220-CC86-0CA4-1078-7CD951BDCD56}"/>
               </a:ext>
             </a:extLst>
           </p:cNvPr>
@@ -2645,7 +2645,7 @@
           <p:cNvPr id="5" name="日期占位符 4">
             <a:extLst>
               <a:ext uri="{FF2B5EF4-FFF2-40B4-BE49-F238E27FC236}">
-                <a16:creationId xmlns:a16="http://schemas.microsoft.com/office/drawing/2014/main" id="{2F9DE670-F68E-791A-6870-A4EFDADFD6ED}"/>
+                <a16:creationId xmlns:a16="http://schemas.microsoft.com/office/drawing/2014/main" id="{764B7EDD-7197-281C-A1F0-1BAAEE077D96}"/>
               </a:ext>
             </a:extLst>
           </p:cNvPr>
@@ -2661,7 +2661,7 @@
           <a:bodyPr/>
           <a:lstStyle/>
           <a:p>
-            <a:fld id="{A2123802-12E6-4F59-B590-F64A3B1B8F55}" type="datetimeFigureOut">
+            <a:fld id="{6B19CCDB-4875-450C-A173-1F93CC730069}" type="datetimeFigureOut">
               <a:rPr lang="zh-CN" altLang="en-US" smtClean="0"/>
               <a:t>2024/3/10</a:t>
             </a:fld>
@@ -2674,7 +2674,7 @@
           <p:cNvPr id="6" name="页脚占位符 5">
             <a:extLst>
               <a:ext uri="{FF2B5EF4-FFF2-40B4-BE49-F238E27FC236}">
-                <a16:creationId xmlns:a16="http://schemas.microsoft.com/office/drawing/2014/main" id="{5B86FE48-5631-1B37-501F-E12A2AC7D391}"/>
+                <a16:creationId xmlns:a16="http://schemas.microsoft.com/office/drawing/2014/main" id="{60B4241D-8C1C-10FD-60B9-48D9A89E85F8}"/>
               </a:ext>
             </a:extLst>
           </p:cNvPr>
@@ -2699,7 +2699,7 @@
           <p:cNvPr id="7" name="灯片编号占位符 6">
             <a:extLst>
               <a:ext uri="{FF2B5EF4-FFF2-40B4-BE49-F238E27FC236}">
-                <a16:creationId xmlns:a16="http://schemas.microsoft.com/office/drawing/2014/main" id="{C04628D4-8749-CF88-6E0C-10C818824BAB}"/>
+                <a16:creationId xmlns:a16="http://schemas.microsoft.com/office/drawing/2014/main" id="{9FCB7A34-7A5C-280A-6ECF-48A37656DA95}"/>
               </a:ext>
             </a:extLst>
           </p:cNvPr>
@@ -2715,7 +2715,7 @@
           <a:bodyPr/>
           <a:lstStyle/>
           <a:p>
-            <a:fld id="{C2D11055-E562-4C83-BD4F-1C2EC78FF56C}" type="slidenum">
+            <a:fld id="{819A7501-536F-42CB-81CB-86F9BBA7AA30}" type="slidenum">
               <a:rPr lang="zh-CN" altLang="en-US" smtClean="0"/>
               <a:t>‹#›</a:t>
             </a:fld>
@@ -2726,7 +2726,7 @@
     </p:spTree>
     <p:extLst>
       <p:ext uri="{BB962C8B-B14F-4D97-AF65-F5344CB8AC3E}">
-        <p14:creationId xmlns:p14="http://schemas.microsoft.com/office/powerpoint/2010/main" val="4079071707"/>
+        <p14:creationId xmlns:p14="http://schemas.microsoft.com/office/powerpoint/2010/main" val="422567678"/>
       </p:ext>
     </p:extLst>
   </p:cSld>
@@ -2763,7 +2763,7 @@
           <p:cNvPr id="2" name="标题占位符 1">
             <a:extLst>
               <a:ext uri="{FF2B5EF4-FFF2-40B4-BE49-F238E27FC236}">
-                <a16:creationId xmlns:a16="http://schemas.microsoft.com/office/drawing/2014/main" id="{D557CC73-400E-54DD-14C7-F6F45E50BAEB}"/>
+                <a16:creationId xmlns:a16="http://schemas.microsoft.com/office/drawing/2014/main" id="{59913AC8-478B-44BB-BD58-B863B3494BB0}"/>
               </a:ext>
             </a:extLst>
           </p:cNvPr>
@@ -2801,7 +2801,7 @@
           <p:cNvPr id="3" name="文本占位符 2">
             <a:extLst>
               <a:ext uri="{FF2B5EF4-FFF2-40B4-BE49-F238E27FC236}">
-                <a16:creationId xmlns:a16="http://schemas.microsoft.com/office/drawing/2014/main" id="{5FA47D6A-63E1-F460-26BE-A9845CEE5C6E}"/>
+                <a16:creationId xmlns:a16="http://schemas.microsoft.com/office/drawing/2014/main" id="{D6C75C2F-DD38-89A9-24B6-C22014C35F6A}"/>
               </a:ext>
             </a:extLst>
           </p:cNvPr>
@@ -2868,7 +2868,7 @@
           <p:cNvPr id="4" name="日期占位符 3">
             <a:extLst>
               <a:ext uri="{FF2B5EF4-FFF2-40B4-BE49-F238E27FC236}">
-                <a16:creationId xmlns:a16="http://schemas.microsoft.com/office/drawing/2014/main" id="{3A1057A3-44E0-5371-1013-101CD65EA1BC}"/>
+                <a16:creationId xmlns:a16="http://schemas.microsoft.com/office/drawing/2014/main" id="{2ACAEE5C-B856-4E00-50F2-0E526D9493A6}"/>
               </a:ext>
             </a:extLst>
           </p:cNvPr>
@@ -2902,7 +2902,7 @@
             </a:lvl1pPr>
           </a:lstStyle>
           <a:p>
-            <a:fld id="{A2123802-12E6-4F59-B590-F64A3B1B8F55}" type="datetimeFigureOut">
+            <a:fld id="{6B19CCDB-4875-450C-A173-1F93CC730069}" type="datetimeFigureOut">
               <a:rPr lang="zh-CN" altLang="en-US" smtClean="0"/>
               <a:t>2024/3/10</a:t>
             </a:fld>
@@ -2915,7 +2915,7 @@
           <p:cNvPr id="5" name="页脚占位符 4">
             <a:extLst>
               <a:ext uri="{FF2B5EF4-FFF2-40B4-BE49-F238E27FC236}">
-                <a16:creationId xmlns:a16="http://schemas.microsoft.com/office/drawing/2014/main" id="{D9AC4094-9AF5-6E30-8955-831868EEA765}"/>
+                <a16:creationId xmlns:a16="http://schemas.microsoft.com/office/drawing/2014/main" id="{9A1127E2-F42A-514A-D745-4F069A916D0C}"/>
               </a:ext>
             </a:extLst>
           </p:cNvPr>
@@ -2958,7 +2958,7 @@
           <p:cNvPr id="6" name="灯片编号占位符 5">
             <a:extLst>
               <a:ext uri="{FF2B5EF4-FFF2-40B4-BE49-F238E27FC236}">
-                <a16:creationId xmlns:a16="http://schemas.microsoft.com/office/drawing/2014/main" id="{2811E980-BF92-ACF0-FFB7-8BE51BA54000}"/>
+                <a16:creationId xmlns:a16="http://schemas.microsoft.com/office/drawing/2014/main" id="{F90F2021-C104-987F-C1E6-88D811103DAA}"/>
               </a:ext>
             </a:extLst>
           </p:cNvPr>
@@ -2992,7 +2992,7 @@
             </a:lvl1pPr>
           </a:lstStyle>
           <a:p>
-            <a:fld id="{C2D11055-E562-4C83-BD4F-1C2EC78FF56C}" type="slidenum">
+            <a:fld id="{819A7501-536F-42CB-81CB-86F9BBA7AA30}" type="slidenum">
               <a:rPr lang="zh-CN" altLang="en-US" smtClean="0"/>
               <a:t>‹#›</a:t>
             </a:fld>
@@ -3003,7 +3003,7 @@
     </p:spTree>
     <p:extLst>
       <p:ext uri="{BB962C8B-B14F-4D97-AF65-F5344CB8AC3E}">
-        <p14:creationId xmlns:p14="http://schemas.microsoft.com/office/powerpoint/2010/main" val="1106810714"/>
+        <p14:creationId xmlns:p14="http://schemas.microsoft.com/office/powerpoint/2010/main" val="288708666"/>
       </p:ext>
     </p:extLst>
   </p:cSld>
@@ -3323,7 +3323,7 @@
       </p:grpSpPr>
       <p:pic>
         <p:nvPicPr>
-          <p:cNvPr id="350210" name="Picture 2" descr="341"/>
+          <p:cNvPr id="351234" name="Picture 2" descr="342"/>
           <p:cNvPicPr>
             <a:picLocks noChangeAspect="1" noChangeArrowheads="1"/>
           </p:cNvPicPr>
@@ -3344,8 +3344,8 @@
         </p:blipFill>
         <p:spPr bwMode="auto">
           <a:xfrm>
-            <a:off x="1524000" y="1"/>
-            <a:ext cx="9144000" cy="6238875"/>
+            <a:off x="1524000" y="0"/>
+            <a:ext cx="9144000" cy="6858000"/>
           </a:xfrm>
           <a:prstGeom prst="rect">
             <a:avLst/>
@@ -3375,158 +3375,11 @@
           </a:extLst>
         </p:spPr>
       </p:pic>
-      <p:pic>
-        <p:nvPicPr>
-          <p:cNvPr id="351235" name="Picture 3" descr="341-2"/>
-          <p:cNvPicPr>
-            <a:picLocks noChangeAspect="1" noChangeArrowheads="1"/>
-          </p:cNvPicPr>
-          <p:nvPr/>
-        </p:nvPicPr>
-        <p:blipFill>
-          <a:blip r:embed="rId3">
-            <a:extLst>
-              <a:ext uri="{28A0092B-C50C-407E-A947-70E740481C1C}">
-                <a14:useLocalDpi xmlns:a14="http://schemas.microsoft.com/office/drawing/2010/main" val="0"/>
-              </a:ext>
-            </a:extLst>
-          </a:blip>
-          <a:srcRect/>
-          <a:stretch>
-            <a:fillRect/>
-          </a:stretch>
-        </p:blipFill>
-        <p:spPr bwMode="auto">
-          <a:xfrm>
-            <a:off x="1524000" y="1588"/>
-            <a:ext cx="9144000" cy="6380162"/>
-          </a:xfrm>
-          <a:prstGeom prst="rect">
-            <a:avLst/>
-          </a:prstGeom>
-          <a:noFill/>
-          <a:ln>
-            <a:noFill/>
-          </a:ln>
-          <a:effectLst/>
-          <a:extLst>
-            <a:ext uri="{909E8E84-426E-40DD-AFC4-6F175D3DCCD1}">
-              <a14:hiddenFill xmlns:a14="http://schemas.microsoft.com/office/drawing/2010/main">
-                <a:solidFill>
-                  <a:srgbClr val="FFFFFF"/>
-                </a:solidFill>
-              </a14:hiddenFill>
-            </a:ext>
-            <a:ext uri="{91240B29-F687-4F45-9708-019B960494DF}">
-              <a14:hiddenLine xmlns:a14="http://schemas.microsoft.com/office/drawing/2010/main" w="9525">
-                <a:solidFill>
-                  <a:srgbClr val="000000"/>
-                </a:solidFill>
-                <a:miter lim="800000"/>
-                <a:headEnd/>
-                <a:tailEnd/>
-              </a14:hiddenLine>
-            </a:ext>
-            <a:ext uri="{AF507438-7753-43E0-B8FC-AC1667EBCBE1}">
-              <a14:hiddenEffects xmlns:a14="http://schemas.microsoft.com/office/drawing/2010/main">
-                <a:effectLst>
-                  <a:outerShdw dist="35921" dir="2700000" algn="ctr" rotWithShape="0">
-                    <a:srgbClr val="808080"/>
-                  </a:outerShdw>
-                </a:effectLst>
-              </a14:hiddenEffects>
-            </a:ext>
-          </a:extLst>
-        </p:spPr>
-      </p:pic>
     </p:spTree>
   </p:cSld>
   <p:clrMapOvr>
     <a:masterClrMapping/>
   </p:clrMapOvr>
-  <p:timing>
-    <p:tnLst>
-      <p:par>
-        <p:cTn id="1" dur="indefinite" restart="never" nodeType="tmRoot">
-          <p:childTnLst>
-            <p:seq concurrent="1" nextAc="seek">
-              <p:cTn id="2" dur="indefinite" nodeType="mainSeq">
-                <p:childTnLst>
-                  <p:par>
-                    <p:cTn id="3" fill="hold" nodeType="clickPar">
-                      <p:stCondLst>
-                        <p:cond delay="indefinite"/>
-                      </p:stCondLst>
-                      <p:childTnLst>
-                        <p:par>
-                          <p:cTn id="4" fill="hold" nodeType="withGroup">
-                            <p:stCondLst>
-                              <p:cond delay="0"/>
-                            </p:stCondLst>
-                            <p:childTnLst>
-                              <p:par>
-                                <p:cTn id="5" presetID="10" presetClass="entr" presetSubtype="0" fill="hold" nodeType="clickEffect">
-                                  <p:stCondLst>
-                                    <p:cond delay="0"/>
-                                  </p:stCondLst>
-                                  <p:childTnLst>
-                                    <p:set>
-                                      <p:cBhvr>
-                                        <p:cTn id="6" dur="1" fill="hold">
-                                          <p:stCondLst>
-                                            <p:cond delay="0"/>
-                                          </p:stCondLst>
-                                        </p:cTn>
-                                        <p:tgtEl>
-                                          <p:spTgt spid="351235"/>
-                                        </p:tgtEl>
-                                        <p:attrNameLst>
-                                          <p:attrName>style.visibility</p:attrName>
-                                        </p:attrNameLst>
-                                      </p:cBhvr>
-                                      <p:to>
-                                        <p:strVal val="visible"/>
-                                      </p:to>
-                                    </p:set>
-                                    <p:animEffect transition="in" filter="fade">
-                                      <p:cBhvr>
-                                        <p:cTn id="7" dur="500"/>
-                                        <p:tgtEl>
-                                          <p:spTgt spid="351235"/>
-                                        </p:tgtEl>
-                                      </p:cBhvr>
-                                    </p:animEffect>
-                                  </p:childTnLst>
-                                </p:cTn>
-                              </p:par>
-                            </p:childTnLst>
-                          </p:cTn>
-                        </p:par>
-                      </p:childTnLst>
-                    </p:cTn>
-                  </p:par>
-                </p:childTnLst>
-              </p:cTn>
-              <p:prevCondLst>
-                <p:cond evt="onPrev" delay="0">
-                  <p:tgtEl>
-                    <p:sldTgt/>
-                  </p:tgtEl>
-                </p:cond>
-              </p:prevCondLst>
-              <p:nextCondLst>
-                <p:cond evt="onNext" delay="0">
-                  <p:tgtEl>
-                    <p:sldTgt/>
-                  </p:tgtEl>
-                </p:cond>
-              </p:nextCondLst>
-            </p:seq>
-          </p:childTnLst>
-        </p:cTn>
-      </p:par>
-    </p:tnLst>
-  </p:timing>
 </p:sld>
 </file>
 
